--- a/Personas/AndreaCiccarello_s260330_Persona.pptx
+++ b/Personas/AndreaCiccarello_s260330_Persona.pptx
@@ -5656,7 +5656,25 @@
                 </a:solidFill>
                 <a:latin typeface="Titillium Web" charset="0"/>
               </a:rPr>
-              <a:t>Salvatore is a forty-five year old, married to Maria (only God knows how she can stand this strange man). He has dedicated his life to studying mathematical sciences and loves everything about it. He has been teaching mathematics and physics in high school for ten years.</a:t>
+              <a:t>Salvatore is a forty-five year old, married to Maria (only God knows how she can stand this </a:t>
+            </a:r>
+            <a:r>
+              <a:rPr lang="en-US" sz="1000" dirty="0" smtClean="0">
+                <a:solidFill>
+                  <a:schemeClr val="bg2"/>
+                </a:solidFill>
+                <a:latin typeface="Titillium Web" charset="0"/>
+              </a:rPr>
+              <a:t>freaky man</a:t>
+            </a:r>
+            <a:r>
+              <a:rPr lang="en-US" sz="1000" dirty="0" smtClean="0">
+                <a:solidFill>
+                  <a:schemeClr val="bg2"/>
+                </a:solidFill>
+                <a:latin typeface="Titillium Web" charset="0"/>
+              </a:rPr>
+              <a:t>). He has dedicated his life to studying mathematical sciences and loves everything about it. He has been teaching mathematics in high school for ten years.</a:t>
             </a:r>
             <a:endParaRPr sz="1000" b="1" dirty="0">
               <a:solidFill>
